--- a/lectures/RKOrderCondition.pptx
+++ b/lectures/RKOrderCondition.pptx
@@ -8,6 +8,7 @@
     <p:sldId id="258" r:id="rId2"/>
     <p:sldId id="259" r:id="rId3"/>
     <p:sldId id="260" r:id="rId4"/>
+    <p:sldId id="261" r:id="rId5"/>
   </p:sldIdLst>
   <p:sldSz cx="12192000" cy="6858000"/>
   <p:notesSz cx="6858000" cy="9144000"/>
@@ -106,6 +107,11 @@
       </a:defRPr>
     </a:lvl9pPr>
   </p:defaultTextStyle>
+  <p:extLst>
+    <p:ext uri="{EFAFB233-063F-42B5-8137-9DF3F51BA10A}">
+      <p15:sldGuideLst xmlns:p15="http://schemas.microsoft.com/office/powerpoint/2012/main"/>
+    </p:ext>
+  </p:extLst>
 </p:presentation>
 </file>
 
@@ -256,7 +262,7 @@
           <a:p>
             <a:fld id="{BCC6C103-40CD-4DF2-903E-AC3FB9182CEA}" type="datetimeFigureOut">
               <a:rPr lang="en-US" smtClean="0"/>
-              <a:t>9/24/2019</a:t>
+              <a:t>9/25/2019</a:t>
             </a:fld>
             <a:endParaRPr lang="en-US"/>
           </a:p>
@@ -454,7 +460,7 @@
           <a:p>
             <a:fld id="{BCC6C103-40CD-4DF2-903E-AC3FB9182CEA}" type="datetimeFigureOut">
               <a:rPr lang="en-US" smtClean="0"/>
-              <a:t>9/24/2019</a:t>
+              <a:t>9/25/2019</a:t>
             </a:fld>
             <a:endParaRPr lang="en-US"/>
           </a:p>
@@ -662,7 +668,7 @@
           <a:p>
             <a:fld id="{BCC6C103-40CD-4DF2-903E-AC3FB9182CEA}" type="datetimeFigureOut">
               <a:rPr lang="en-US" smtClean="0"/>
-              <a:t>9/24/2019</a:t>
+              <a:t>9/25/2019</a:t>
             </a:fld>
             <a:endParaRPr lang="en-US"/>
           </a:p>
@@ -860,7 +866,7 @@
           <a:p>
             <a:fld id="{BCC6C103-40CD-4DF2-903E-AC3FB9182CEA}" type="datetimeFigureOut">
               <a:rPr lang="en-US" smtClean="0"/>
-              <a:t>9/24/2019</a:t>
+              <a:t>9/25/2019</a:t>
             </a:fld>
             <a:endParaRPr lang="en-US"/>
           </a:p>
@@ -1135,7 +1141,7 @@
           <a:p>
             <a:fld id="{BCC6C103-40CD-4DF2-903E-AC3FB9182CEA}" type="datetimeFigureOut">
               <a:rPr lang="en-US" smtClean="0"/>
-              <a:t>9/24/2019</a:t>
+              <a:t>9/25/2019</a:t>
             </a:fld>
             <a:endParaRPr lang="en-US"/>
           </a:p>
@@ -1400,7 +1406,7 @@
           <a:p>
             <a:fld id="{BCC6C103-40CD-4DF2-903E-AC3FB9182CEA}" type="datetimeFigureOut">
               <a:rPr lang="en-US" smtClean="0"/>
-              <a:t>9/24/2019</a:t>
+              <a:t>9/25/2019</a:t>
             </a:fld>
             <a:endParaRPr lang="en-US"/>
           </a:p>
@@ -1812,7 +1818,7 @@
           <a:p>
             <a:fld id="{BCC6C103-40CD-4DF2-903E-AC3FB9182CEA}" type="datetimeFigureOut">
               <a:rPr lang="en-US" smtClean="0"/>
-              <a:t>9/24/2019</a:t>
+              <a:t>9/25/2019</a:t>
             </a:fld>
             <a:endParaRPr lang="en-US"/>
           </a:p>
@@ -1953,7 +1959,7 @@
           <a:p>
             <a:fld id="{BCC6C103-40CD-4DF2-903E-AC3FB9182CEA}" type="datetimeFigureOut">
               <a:rPr lang="en-US" smtClean="0"/>
-              <a:t>9/24/2019</a:t>
+              <a:t>9/25/2019</a:t>
             </a:fld>
             <a:endParaRPr lang="en-US"/>
           </a:p>
@@ -2066,7 +2072,7 @@
           <a:p>
             <a:fld id="{BCC6C103-40CD-4DF2-903E-AC3FB9182CEA}" type="datetimeFigureOut">
               <a:rPr lang="en-US" smtClean="0"/>
-              <a:t>9/24/2019</a:t>
+              <a:t>9/25/2019</a:t>
             </a:fld>
             <a:endParaRPr lang="en-US"/>
           </a:p>
@@ -2377,7 +2383,7 @@
           <a:p>
             <a:fld id="{BCC6C103-40CD-4DF2-903E-AC3FB9182CEA}" type="datetimeFigureOut">
               <a:rPr lang="en-US" smtClean="0"/>
-              <a:t>9/24/2019</a:t>
+              <a:t>9/25/2019</a:t>
             </a:fld>
             <a:endParaRPr lang="en-US"/>
           </a:p>
@@ -2665,7 +2671,7 @@
           <a:p>
             <a:fld id="{BCC6C103-40CD-4DF2-903E-AC3FB9182CEA}" type="datetimeFigureOut">
               <a:rPr lang="en-US" smtClean="0"/>
-              <a:t>9/24/2019</a:t>
+              <a:t>9/25/2019</a:t>
             </a:fld>
             <a:endParaRPr lang="en-US"/>
           </a:p>
@@ -2906,7 +2912,7 @@
           <a:p>
             <a:fld id="{BCC6C103-40CD-4DF2-903E-AC3FB9182CEA}" type="datetimeFigureOut">
               <a:rPr lang="en-US" smtClean="0"/>
-              <a:t>9/24/2019</a:t>
+              <a:t>9/25/2019</a:t>
             </a:fld>
             <a:endParaRPr lang="en-US"/>
           </a:p>
@@ -3594,8 +3600,8 @@
           </a:p>
         </p:txBody>
       </p:sp>
-      <mc:AlternateContent xmlns:mc="http://schemas.openxmlformats.org/markup-compatibility/2006">
-        <mc:Choice xmlns:a14="http://schemas.microsoft.com/office/drawing/2010/main" Requires="a14">
+      <mc:AlternateContent xmlns:mc="http://schemas.openxmlformats.org/markup-compatibility/2006" xmlns:a14="http://schemas.microsoft.com/office/drawing/2010/main">
+        <mc:Choice Requires="a14">
           <p:sp>
             <p:nvSpPr>
               <p:cNvPr id="3" name="TextBox 2">
@@ -3870,7 +3876,7 @@
             </p:txBody>
           </p:sp>
         </mc:Choice>
-        <mc:Fallback>
+        <mc:Fallback xmlns="">
           <p:sp>
             <p:nvSpPr>
               <p:cNvPr id="3" name="TextBox 2">
@@ -3919,6 +3925,184 @@
     <p:extLst>
       <p:ext uri="{BB962C8B-B14F-4D97-AF65-F5344CB8AC3E}">
         <p14:creationId xmlns:p14="http://schemas.microsoft.com/office/powerpoint/2010/main" val="921520802"/>
+      </p:ext>
+    </p:extLst>
+  </p:cSld>
+  <p:clrMapOvr>
+    <a:masterClrMapping/>
+  </p:clrMapOvr>
+</p:sld>
+</file>
+
+<file path=ppt/slides/slide4.xml><?xml version="1.0" encoding="utf-8"?>
+<p:sld xmlns:a="http://schemas.openxmlformats.org/drawingml/2006/main" xmlns:r="http://schemas.openxmlformats.org/officeDocument/2006/relationships" xmlns:p="http://schemas.openxmlformats.org/presentationml/2006/main">
+  <p:cSld>
+    <p:spTree>
+      <p:nvGrpSpPr>
+        <p:cNvPr id="1" name=""/>
+        <p:cNvGrpSpPr/>
+        <p:nvPr/>
+      </p:nvGrpSpPr>
+      <p:grpSpPr>
+        <a:xfrm>
+          <a:off x="0" y="0"/>
+          <a:ext cx="0" cy="0"/>
+          <a:chOff x="0" y="0"/>
+          <a:chExt cx="0" cy="0"/>
+        </a:xfrm>
+      </p:grpSpPr>
+      <p:sp>
+        <p:nvSpPr>
+          <p:cNvPr id="2" name="TextBox 1">
+            <a:extLst>
+              <a:ext uri="{FF2B5EF4-FFF2-40B4-BE49-F238E27FC236}">
+                <a16:creationId xmlns:a16="http://schemas.microsoft.com/office/drawing/2014/main" id="{84E1D480-61FF-4285-A9F0-307B9E1E3782}"/>
+              </a:ext>
+            </a:extLst>
+          </p:cNvPr>
+          <p:cNvSpPr txBox="1"/>
+          <p:nvPr/>
+        </p:nvSpPr>
+        <p:spPr>
+          <a:xfrm>
+            <a:off x="757451" y="511791"/>
+            <a:ext cx="5532155" cy="553998"/>
+          </a:xfrm>
+          <a:prstGeom prst="rect">
+            <a:avLst/>
+          </a:prstGeom>
+          <a:noFill/>
+        </p:spPr>
+        <p:txBody>
+          <a:bodyPr wrap="none" rtlCol="0">
+            <a:spAutoFit/>
+          </a:bodyPr>
+          <a:lstStyle/>
+          <a:p>
+            <a:r>
+              <a:rPr lang="en-US" sz="3000" dirty="0" err="1"/>
+              <a:t>Dormand</a:t>
+            </a:r>
+            <a:r>
+              <a:rPr lang="en-US" sz="3000" dirty="0"/>
+              <a:t>–Prince Runge-</a:t>
+            </a:r>
+            <a:r>
+              <a:rPr lang="en-US" sz="3000" dirty="0" err="1"/>
+              <a:t>Kutta</a:t>
+            </a:r>
+            <a:r>
+              <a:rPr lang="en-US" sz="3000" dirty="0"/>
+              <a:t> pair</a:t>
+            </a:r>
+          </a:p>
+        </p:txBody>
+      </p:sp>
+      <p:pic>
+        <p:nvPicPr>
+          <p:cNvPr id="5" name="Picture 4">
+            <a:extLst>
+              <a:ext uri="{FF2B5EF4-FFF2-40B4-BE49-F238E27FC236}">
+                <a16:creationId xmlns:a16="http://schemas.microsoft.com/office/drawing/2014/main" id="{503FCC8C-A9CC-4FC3-BE43-423A00EF090D}"/>
+              </a:ext>
+            </a:extLst>
+          </p:cNvPr>
+          <p:cNvPicPr>
+            <a:picLocks noChangeAspect="1"/>
+          </p:cNvPicPr>
+          <p:nvPr/>
+        </p:nvPicPr>
+        <p:blipFill>
+          <a:blip r:embed="rId2">
+            <a:extLst>
+              <a:ext uri="{28A0092B-C50C-407E-A947-70E740481C1C}">
+                <a14:useLocalDpi xmlns:a14="http://schemas.microsoft.com/office/drawing/2010/main" val="0"/>
+              </a:ext>
+            </a:extLst>
+          </a:blip>
+          <a:stretch>
+            <a:fillRect/>
+          </a:stretch>
+        </p:blipFill>
+        <p:spPr>
+          <a:xfrm>
+            <a:off x="757452" y="1330657"/>
+            <a:ext cx="8139902" cy="3734947"/>
+          </a:xfrm>
+          <a:prstGeom prst="rect">
+            <a:avLst/>
+          </a:prstGeom>
+        </p:spPr>
+      </p:pic>
+      <p:sp>
+        <p:nvSpPr>
+          <p:cNvPr id="6" name="TextBox 5">
+            <a:extLst>
+              <a:ext uri="{FF2B5EF4-FFF2-40B4-BE49-F238E27FC236}">
+                <a16:creationId xmlns:a16="http://schemas.microsoft.com/office/drawing/2014/main" id="{9C2A51BE-4F2A-46B9-97C6-62638213879B}"/>
+              </a:ext>
+            </a:extLst>
+          </p:cNvPr>
+          <p:cNvSpPr txBox="1"/>
+          <p:nvPr/>
+        </p:nvSpPr>
+        <p:spPr>
+          <a:xfrm>
+            <a:off x="595392" y="5397420"/>
+            <a:ext cx="11388428" cy="923330"/>
+          </a:xfrm>
+          <a:prstGeom prst="rect">
+            <a:avLst/>
+          </a:prstGeom>
+          <a:noFill/>
+        </p:spPr>
+        <p:txBody>
+          <a:bodyPr wrap="square" rtlCol="0">
+            <a:spAutoFit/>
+          </a:bodyPr>
+          <a:lstStyle/>
+          <a:p>
+            <a:r>
+              <a:rPr lang="en-US" altLang="zh-CN" dirty="0"/>
+              <a:t>7-stage method with 4</a:t>
+            </a:r>
+            <a:r>
+              <a:rPr lang="en-US" altLang="zh-CN" baseline="30000" dirty="0"/>
+              <a:t>th</a:t>
+            </a:r>
+            <a:r>
+              <a:rPr lang="en-US" altLang="zh-CN" dirty="0"/>
+              <a:t> order propagator and 5</a:t>
+            </a:r>
+            <a:r>
+              <a:rPr lang="en-US" altLang="zh-CN" baseline="30000" dirty="0"/>
+              <a:t>th</a:t>
+            </a:r>
+            <a:r>
+              <a:rPr lang="en-US" altLang="zh-CN" dirty="0"/>
+              <a:t> order estimator</a:t>
+            </a:r>
+          </a:p>
+          <a:p>
+            <a:r>
+              <a:rPr lang="en-US" dirty="0"/>
+              <a:t>designed to be close to have the minimal </a:t>
+            </a:r>
+            <a:r>
+              <a:rPr lang="en-US" altLang="zh-CN" dirty="0"/>
+              <a:t>local </a:t>
+            </a:r>
+            <a:r>
+              <a:rPr lang="en-US" dirty="0"/>
+              <a:t>truncation error (under the restraint of also having the minimal number of steps to achieve order 5). The extra steps are needed for the order 5 estimator.</a:t>
+            </a:r>
+          </a:p>
+        </p:txBody>
+      </p:sp>
+    </p:spTree>
+    <p:extLst>
+      <p:ext uri="{BB962C8B-B14F-4D97-AF65-F5344CB8AC3E}">
+        <p14:creationId xmlns:p14="http://schemas.microsoft.com/office/powerpoint/2010/main" val="455248778"/>
       </p:ext>
     </p:extLst>
   </p:cSld>
